--- a/Lesson8/Misc.pptx
+++ b/Lesson8/Misc.pptx
@@ -5,16 +5,18 @@
     <p:sldMasterId id="2147483648" r:id="rId1"/>
   </p:sldMasterIdLst>
   <p:notesMasterIdLst>
-    <p:notesMasterId r:id="rId9"/>
+    <p:notesMasterId r:id="rId11"/>
   </p:notesMasterIdLst>
   <p:sldIdLst>
     <p:sldId id="266" r:id="rId2"/>
     <p:sldId id="274" r:id="rId3"/>
-    <p:sldId id="287" r:id="rId4"/>
-    <p:sldId id="288" r:id="rId5"/>
-    <p:sldId id="291" r:id="rId6"/>
-    <p:sldId id="292" r:id="rId7"/>
-    <p:sldId id="282" r:id="rId8"/>
+    <p:sldId id="282" r:id="rId4"/>
+    <p:sldId id="293" r:id="rId5"/>
+    <p:sldId id="287" r:id="rId6"/>
+    <p:sldId id="288" r:id="rId7"/>
+    <p:sldId id="291" r:id="rId8"/>
+    <p:sldId id="292" r:id="rId9"/>
+    <p:sldId id="294" r:id="rId10"/>
   </p:sldIdLst>
   <p:sldSz cx="12192000" cy="6858000"/>
   <p:notesSz cx="6858000" cy="9144000"/>
@@ -13665,14 +13667,9 @@
               <a:rPr lang="en-US" dirty="0"/>
             </a:br>
             <a:r>
-              <a:rPr lang="en-US" sz="2800"/>
-              <a:t>Lesson 7: </a:t>
-            </a:r>
-            <a:r>
-              <a:rPr lang="en-US" sz="2800" dirty="0" err="1"/>
-              <a:t>Misc</a:t>
-            </a:r>
-            <a:endParaRPr lang="en-US" sz="2800" dirty="0"/>
+              <a:rPr lang="en-US" sz="2800" dirty="0"/>
+              <a:t>Lesson 8: Miscellaneous</a:t>
+            </a:r>
           </a:p>
         </p:txBody>
       </p:sp>
@@ -13803,18 +13800,7 @@
           <a:p>
             <a:r>
               <a:rPr lang="en-US" dirty="0"/>
-              <a:t>In this lesson, you will learn …</a:t>
-            </a:r>
-          </a:p>
-          <a:p>
-            <a:pPr lvl="1"/>
-            <a:r>
-              <a:rPr lang="en-US" dirty="0" err="1"/>
-              <a:t>Blinkin</a:t>
-            </a:r>
-            <a:r>
-              <a:rPr lang="en-US" dirty="0"/>
-              <a:t>?</a:t>
+              <a:t>In this lesson, you will learn the following:</a:t>
             </a:r>
           </a:p>
           <a:p>
@@ -13828,7 +13814,7 @@
             <a:pPr lvl="1"/>
             <a:r>
               <a:rPr lang="en-US" dirty="0"/>
-              <a:t>Dashboard, </a:t>
+              <a:t>Dashboard: </a:t>
             </a:r>
             <a:r>
               <a:rPr lang="en-US" dirty="0" err="1"/>
@@ -13841,6 +13827,39 @@
             <a:r>
               <a:rPr lang="en-US" dirty="0"/>
               <a:t>Vision</a:t>
+            </a:r>
+          </a:p>
+          <a:p>
+            <a:pPr lvl="2"/>
+            <a:r>
+              <a:rPr lang="en-US" dirty="0"/>
+              <a:t>Vision Coprocessor (</a:t>
+            </a:r>
+            <a:r>
+              <a:rPr lang="en-US" dirty="0" err="1"/>
+              <a:t>LimeLight</a:t>
+            </a:r>
+            <a:r>
+              <a:rPr lang="en-US" dirty="0"/>
+              <a:t>)</a:t>
+            </a:r>
+          </a:p>
+          <a:p>
+            <a:pPr lvl="2"/>
+            <a:r>
+              <a:rPr lang="en-US" dirty="0"/>
+              <a:t>OpenCV Color Blob Detection</a:t>
+            </a:r>
+          </a:p>
+          <a:p>
+            <a:pPr lvl="2"/>
+            <a:r>
+              <a:rPr lang="en-US" dirty="0" err="1"/>
+              <a:t>AprilTag</a:t>
+            </a:r>
+            <a:r>
+              <a:rPr lang="en-US" dirty="0"/>
+              <a:t> Detection</a:t>
             </a:r>
           </a:p>
         </p:txBody>
@@ -13859,6 +13878,839 @@
 </file>
 
 <file path=ppt/slides/slide3.xml><?xml version="1.0" encoding="utf-8"?>
+<p:sld xmlns:a="http://schemas.openxmlformats.org/drawingml/2006/main" xmlns:r="http://schemas.openxmlformats.org/officeDocument/2006/relationships" xmlns:p="http://schemas.openxmlformats.org/presentationml/2006/main">
+  <p:cSld>
+    <p:spTree>
+      <p:nvGrpSpPr>
+        <p:cNvPr id="1" name=""/>
+        <p:cNvGrpSpPr/>
+        <p:nvPr/>
+      </p:nvGrpSpPr>
+      <p:grpSpPr>
+        <a:xfrm>
+          <a:off x="0" y="0"/>
+          <a:ext cx="0" cy="0"/>
+          <a:chOff x="0" y="0"/>
+          <a:chExt cx="0" cy="0"/>
+        </a:xfrm>
+      </p:grpSpPr>
+      <p:sp>
+        <p:nvSpPr>
+          <p:cNvPr id="2" name="Title 1">
+            <a:extLst>
+              <a:ext uri="{FF2B5EF4-FFF2-40B4-BE49-F238E27FC236}">
+                <a16:creationId xmlns:a16="http://schemas.microsoft.com/office/drawing/2014/main" id="{5DBDB647-6AC3-45C1-A1D4-3B298AEE5877}"/>
+              </a:ext>
+            </a:extLst>
+          </p:cNvPr>
+          <p:cNvSpPr>
+            <a:spLocks noGrp="1"/>
+          </p:cNvSpPr>
+          <p:nvPr>
+            <p:ph type="title"/>
+          </p:nvPr>
+        </p:nvSpPr>
+        <p:spPr/>
+        <p:txBody>
+          <a:bodyPr/>
+          <a:lstStyle/>
+          <a:p>
+            <a:r>
+              <a:rPr lang="en-US" dirty="0"/>
+              <a:t>Timer</a:t>
+            </a:r>
+          </a:p>
+        </p:txBody>
+      </p:sp>
+      <p:sp>
+        <p:nvSpPr>
+          <p:cNvPr id="3" name="Content Placeholder 2">
+            <a:extLst>
+              <a:ext uri="{FF2B5EF4-FFF2-40B4-BE49-F238E27FC236}">
+                <a16:creationId xmlns:a16="http://schemas.microsoft.com/office/drawing/2014/main" id="{FCEC0B1B-EF9F-41D7-A2C0-35A72C57C987}"/>
+              </a:ext>
+            </a:extLst>
+          </p:cNvPr>
+          <p:cNvSpPr>
+            <a:spLocks noGrp="1"/>
+          </p:cNvSpPr>
+          <p:nvPr>
+            <p:ph idx="1"/>
+          </p:nvPr>
+        </p:nvSpPr>
+        <p:spPr>
+          <a:xfrm>
+            <a:off x="588936" y="2286000"/>
+            <a:ext cx="11030918" cy="4510007"/>
+          </a:xfrm>
+        </p:spPr>
+        <p:txBody>
+          <a:bodyPr>
+            <a:normAutofit/>
+          </a:bodyPr>
+          <a:lstStyle/>
+          <a:p>
+            <a:r>
+              <a:rPr lang="en-US" dirty="0"/>
+              <a:t>From time to time, the robot needs a timing mechanism, waiting for a given period of time to past.</a:t>
+            </a:r>
+          </a:p>
+          <a:p>
+            <a:r>
+              <a:rPr lang="en-US" dirty="0" err="1"/>
+              <a:t>TrcTimer</a:t>
+            </a:r>
+            <a:r>
+              <a:rPr lang="en-US" dirty="0"/>
+              <a:t> Constructor: </a:t>
+            </a:r>
+            <a:r>
+              <a:rPr lang="en-US" b="0" dirty="0" err="1">
+                <a:solidFill>
+                  <a:srgbClr val="DCDCAA"/>
+                </a:solidFill>
+                <a:effectLst/>
+                <a:latin typeface="Consolas" panose="020B0609020204030204" pitchFamily="49" charset="0"/>
+              </a:rPr>
+              <a:t>TrcTimer</a:t>
+            </a:r>
+            <a:r>
+              <a:rPr lang="en-US" b="0" dirty="0">
+                <a:solidFill>
+                  <a:srgbClr val="D4D4D4"/>
+                </a:solidFill>
+                <a:effectLst/>
+                <a:latin typeface="Consolas" panose="020B0609020204030204" pitchFamily="49" charset="0"/>
+              </a:rPr>
+              <a:t>(</a:t>
+            </a:r>
+            <a:r>
+              <a:rPr lang="en-US" b="0" dirty="0">
+                <a:solidFill>
+                  <a:srgbClr val="4EC9B0"/>
+                </a:solidFill>
+                <a:effectLst/>
+                <a:latin typeface="Consolas" panose="020B0609020204030204" pitchFamily="49" charset="0"/>
+              </a:rPr>
+              <a:t>String</a:t>
+            </a:r>
+            <a:r>
+              <a:rPr lang="en-US" b="0" dirty="0">
+                <a:solidFill>
+                  <a:srgbClr val="D4D4D4"/>
+                </a:solidFill>
+                <a:effectLst/>
+                <a:latin typeface="Consolas" panose="020B0609020204030204" pitchFamily="49" charset="0"/>
+              </a:rPr>
+              <a:t> </a:t>
+            </a:r>
+            <a:r>
+              <a:rPr lang="en-US" b="0" dirty="0" err="1">
+                <a:solidFill>
+                  <a:srgbClr val="9CDCFE"/>
+                </a:solidFill>
+                <a:effectLst/>
+                <a:latin typeface="Consolas" panose="020B0609020204030204" pitchFamily="49" charset="0"/>
+              </a:rPr>
+              <a:t>instanceName</a:t>
+            </a:r>
+            <a:r>
+              <a:rPr lang="en-US" b="0" dirty="0">
+                <a:solidFill>
+                  <a:srgbClr val="D4D4D4"/>
+                </a:solidFill>
+                <a:effectLst/>
+                <a:latin typeface="Consolas" panose="020B0609020204030204" pitchFamily="49" charset="0"/>
+              </a:rPr>
+              <a:t>)</a:t>
+            </a:r>
+            <a:endParaRPr lang="en-US" dirty="0"/>
+          </a:p>
+          <a:p>
+            <a:r>
+              <a:rPr lang="en-US" dirty="0"/>
+              <a:t>Methods:</a:t>
+            </a:r>
+          </a:p>
+          <a:p>
+            <a:pPr lvl="1"/>
+            <a:r>
+              <a:rPr lang="en-US" b="0" dirty="0">
+                <a:solidFill>
+                  <a:srgbClr val="4EC9B0"/>
+                </a:solidFill>
+                <a:effectLst/>
+                <a:latin typeface="Consolas" panose="020B0609020204030204" pitchFamily="49" charset="0"/>
+              </a:rPr>
+              <a:t>void</a:t>
+            </a:r>
+            <a:r>
+              <a:rPr lang="en-US" b="0" dirty="0">
+                <a:solidFill>
+                  <a:srgbClr val="D4D4D4"/>
+                </a:solidFill>
+                <a:effectLst/>
+                <a:latin typeface="Consolas" panose="020B0609020204030204" pitchFamily="49" charset="0"/>
+              </a:rPr>
+              <a:t> </a:t>
+            </a:r>
+            <a:r>
+              <a:rPr lang="en-US" b="0" dirty="0">
+                <a:solidFill>
+                  <a:srgbClr val="DCDCAA"/>
+                </a:solidFill>
+                <a:effectLst/>
+                <a:latin typeface="Consolas" panose="020B0609020204030204" pitchFamily="49" charset="0"/>
+              </a:rPr>
+              <a:t>set</a:t>
+            </a:r>
+            <a:r>
+              <a:rPr lang="en-US" b="0" dirty="0">
+                <a:solidFill>
+                  <a:srgbClr val="D4D4D4"/>
+                </a:solidFill>
+                <a:effectLst/>
+                <a:latin typeface="Consolas" panose="020B0609020204030204" pitchFamily="49" charset="0"/>
+              </a:rPr>
+              <a:t>(</a:t>
+            </a:r>
+            <a:r>
+              <a:rPr lang="en-US" b="0" dirty="0">
+                <a:solidFill>
+                  <a:srgbClr val="4EC9B0"/>
+                </a:solidFill>
+                <a:effectLst/>
+                <a:latin typeface="Consolas" panose="020B0609020204030204" pitchFamily="49" charset="0"/>
+              </a:rPr>
+              <a:t>double</a:t>
+            </a:r>
+            <a:r>
+              <a:rPr lang="en-US" b="0" dirty="0">
+                <a:solidFill>
+                  <a:srgbClr val="D4D4D4"/>
+                </a:solidFill>
+                <a:effectLst/>
+                <a:latin typeface="Consolas" panose="020B0609020204030204" pitchFamily="49" charset="0"/>
+              </a:rPr>
+              <a:t> </a:t>
+            </a:r>
+            <a:r>
+              <a:rPr lang="en-US" b="0" dirty="0">
+                <a:solidFill>
+                  <a:srgbClr val="9CDCFE"/>
+                </a:solidFill>
+                <a:effectLst/>
+                <a:latin typeface="Consolas" panose="020B0609020204030204" pitchFamily="49" charset="0"/>
+              </a:rPr>
+              <a:t>time</a:t>
+            </a:r>
+            <a:r>
+              <a:rPr lang="en-US" b="0" dirty="0">
+                <a:solidFill>
+                  <a:srgbClr val="D4D4D4"/>
+                </a:solidFill>
+                <a:effectLst/>
+                <a:latin typeface="Consolas" panose="020B0609020204030204" pitchFamily="49" charset="0"/>
+              </a:rPr>
+              <a:t>, </a:t>
+            </a:r>
+            <a:r>
+              <a:rPr lang="en-US" b="0" dirty="0" err="1">
+                <a:solidFill>
+                  <a:srgbClr val="4EC9B0"/>
+                </a:solidFill>
+                <a:effectLst/>
+                <a:latin typeface="Consolas" panose="020B0609020204030204" pitchFamily="49" charset="0"/>
+              </a:rPr>
+              <a:t>TrcEvent</a:t>
+            </a:r>
+            <a:r>
+              <a:rPr lang="en-US" b="0" dirty="0">
+                <a:solidFill>
+                  <a:srgbClr val="D4D4D4"/>
+                </a:solidFill>
+                <a:effectLst/>
+                <a:latin typeface="Consolas" panose="020B0609020204030204" pitchFamily="49" charset="0"/>
+              </a:rPr>
+              <a:t> </a:t>
+            </a:r>
+            <a:r>
+              <a:rPr lang="en-US" b="0" dirty="0">
+                <a:solidFill>
+                  <a:srgbClr val="9CDCFE"/>
+                </a:solidFill>
+                <a:effectLst/>
+                <a:latin typeface="Consolas" panose="020B0609020204030204" pitchFamily="49" charset="0"/>
+              </a:rPr>
+              <a:t>event</a:t>
+            </a:r>
+            <a:r>
+              <a:rPr lang="en-US" b="0" dirty="0">
+                <a:solidFill>
+                  <a:srgbClr val="D4D4D4"/>
+                </a:solidFill>
+                <a:effectLst/>
+                <a:latin typeface="Consolas" panose="020B0609020204030204" pitchFamily="49" charset="0"/>
+              </a:rPr>
+              <a:t>)</a:t>
+            </a:r>
+            <a:r>
+              <a:rPr lang="en-US" dirty="0"/>
+              <a:t> – starts a timer that will signal an event when the specified time has expired.</a:t>
+            </a:r>
+          </a:p>
+          <a:p>
+            <a:pPr lvl="1"/>
+            <a:r>
+              <a:rPr lang="en-US" b="0" dirty="0">
+                <a:solidFill>
+                  <a:srgbClr val="4EC9B0"/>
+                </a:solidFill>
+                <a:effectLst/>
+                <a:latin typeface="Consolas" panose="020B0609020204030204" pitchFamily="49" charset="0"/>
+              </a:rPr>
+              <a:t>void</a:t>
+            </a:r>
+            <a:r>
+              <a:rPr lang="en-US" b="0" dirty="0">
+                <a:solidFill>
+                  <a:srgbClr val="D4D4D4"/>
+                </a:solidFill>
+                <a:effectLst/>
+                <a:latin typeface="Consolas" panose="020B0609020204030204" pitchFamily="49" charset="0"/>
+              </a:rPr>
+              <a:t> </a:t>
+            </a:r>
+            <a:r>
+              <a:rPr lang="en-US" b="0" dirty="0">
+                <a:solidFill>
+                  <a:srgbClr val="DCDCAA"/>
+                </a:solidFill>
+                <a:effectLst/>
+                <a:latin typeface="Consolas" panose="020B0609020204030204" pitchFamily="49" charset="0"/>
+              </a:rPr>
+              <a:t>set</a:t>
+            </a:r>
+            <a:r>
+              <a:rPr lang="en-US" b="0" dirty="0">
+                <a:solidFill>
+                  <a:srgbClr val="D4D4D4"/>
+                </a:solidFill>
+                <a:effectLst/>
+                <a:latin typeface="Consolas" panose="020B0609020204030204" pitchFamily="49" charset="0"/>
+              </a:rPr>
+              <a:t>(</a:t>
+            </a:r>
+            <a:r>
+              <a:rPr lang="en-US" b="0" dirty="0">
+                <a:solidFill>
+                  <a:srgbClr val="4EC9B0"/>
+                </a:solidFill>
+                <a:effectLst/>
+                <a:latin typeface="Consolas" panose="020B0609020204030204" pitchFamily="49" charset="0"/>
+              </a:rPr>
+              <a:t>double</a:t>
+            </a:r>
+            <a:r>
+              <a:rPr lang="en-US" b="0" dirty="0">
+                <a:solidFill>
+                  <a:srgbClr val="D4D4D4"/>
+                </a:solidFill>
+                <a:effectLst/>
+                <a:latin typeface="Consolas" panose="020B0609020204030204" pitchFamily="49" charset="0"/>
+              </a:rPr>
+              <a:t> </a:t>
+            </a:r>
+            <a:r>
+              <a:rPr lang="en-US" b="0" dirty="0">
+                <a:solidFill>
+                  <a:srgbClr val="9CDCFE"/>
+                </a:solidFill>
+                <a:effectLst/>
+                <a:latin typeface="Consolas" panose="020B0609020204030204" pitchFamily="49" charset="0"/>
+              </a:rPr>
+              <a:t>time</a:t>
+            </a:r>
+            <a:r>
+              <a:rPr lang="en-US" b="0" dirty="0">
+                <a:solidFill>
+                  <a:srgbClr val="D4D4D4"/>
+                </a:solidFill>
+                <a:effectLst/>
+                <a:latin typeface="Consolas" panose="020B0609020204030204" pitchFamily="49" charset="0"/>
+              </a:rPr>
+              <a:t>, </a:t>
+            </a:r>
+            <a:r>
+              <a:rPr lang="en-US" b="0" dirty="0" err="1">
+                <a:solidFill>
+                  <a:srgbClr val="4EC9B0"/>
+                </a:solidFill>
+                <a:effectLst/>
+                <a:latin typeface="Consolas" panose="020B0609020204030204" pitchFamily="49" charset="0"/>
+              </a:rPr>
+              <a:t>TrcEvent</a:t>
+            </a:r>
+            <a:r>
+              <a:rPr lang="en-US" b="0" dirty="0" err="1">
+                <a:solidFill>
+                  <a:srgbClr val="D4D4D4"/>
+                </a:solidFill>
+                <a:effectLst/>
+                <a:latin typeface="Consolas" panose="020B0609020204030204" pitchFamily="49" charset="0"/>
+              </a:rPr>
+              <a:t>.</a:t>
+            </a:r>
+            <a:r>
+              <a:rPr lang="en-US" b="0" dirty="0" err="1">
+                <a:solidFill>
+                  <a:srgbClr val="4EC9B0"/>
+                </a:solidFill>
+                <a:effectLst/>
+                <a:latin typeface="Consolas" panose="020B0609020204030204" pitchFamily="49" charset="0"/>
+              </a:rPr>
+              <a:t>Callback</a:t>
+            </a:r>
+            <a:r>
+              <a:rPr lang="en-US" b="0" dirty="0">
+                <a:solidFill>
+                  <a:srgbClr val="D4D4D4"/>
+                </a:solidFill>
+                <a:effectLst/>
+                <a:latin typeface="Consolas" panose="020B0609020204030204" pitchFamily="49" charset="0"/>
+              </a:rPr>
+              <a:t> </a:t>
+            </a:r>
+            <a:r>
+              <a:rPr lang="en-US" b="0" dirty="0">
+                <a:solidFill>
+                  <a:srgbClr val="9CDCFE"/>
+                </a:solidFill>
+                <a:effectLst/>
+                <a:latin typeface="Consolas" panose="020B0609020204030204" pitchFamily="49" charset="0"/>
+              </a:rPr>
+              <a:t>callback</a:t>
+            </a:r>
+            <a:r>
+              <a:rPr lang="en-US" b="0" dirty="0">
+                <a:solidFill>
+                  <a:srgbClr val="D4D4D4"/>
+                </a:solidFill>
+                <a:effectLst/>
+                <a:latin typeface="Consolas" panose="020B0609020204030204" pitchFamily="49" charset="0"/>
+              </a:rPr>
+              <a:t>, </a:t>
+            </a:r>
+            <a:r>
+              <a:rPr lang="en-US" b="0" dirty="0">
+                <a:solidFill>
+                  <a:srgbClr val="4EC9B0"/>
+                </a:solidFill>
+                <a:effectLst/>
+                <a:latin typeface="Consolas" panose="020B0609020204030204" pitchFamily="49" charset="0"/>
+              </a:rPr>
+              <a:t>Object</a:t>
+            </a:r>
+            <a:r>
+              <a:rPr lang="en-US" b="0" dirty="0">
+                <a:solidFill>
+                  <a:srgbClr val="D4D4D4"/>
+                </a:solidFill>
+                <a:effectLst/>
+                <a:latin typeface="Consolas" panose="020B0609020204030204" pitchFamily="49" charset="0"/>
+              </a:rPr>
+              <a:t> </a:t>
+            </a:r>
+            <a:r>
+              <a:rPr lang="en-US" b="0" dirty="0" err="1">
+                <a:solidFill>
+                  <a:srgbClr val="9CDCFE"/>
+                </a:solidFill>
+                <a:effectLst/>
+                <a:latin typeface="Consolas" panose="020B0609020204030204" pitchFamily="49" charset="0"/>
+              </a:rPr>
+              <a:t>callbackContext</a:t>
+            </a:r>
+            <a:r>
+              <a:rPr lang="en-US" b="0" dirty="0">
+                <a:solidFill>
+                  <a:srgbClr val="D4D4D4"/>
+                </a:solidFill>
+                <a:effectLst/>
+                <a:latin typeface="Consolas" panose="020B0609020204030204" pitchFamily="49" charset="0"/>
+              </a:rPr>
+              <a:t>)</a:t>
+            </a:r>
+            <a:r>
+              <a:rPr lang="en-US" dirty="0"/>
+              <a:t> – starts a timer that will call the specified callback method when the specified time has expired.</a:t>
+            </a:r>
+          </a:p>
+          <a:p>
+            <a:pPr lvl="1"/>
+            <a:r>
+              <a:rPr lang="en-US" b="0" dirty="0">
+                <a:solidFill>
+                  <a:srgbClr val="4EC9B0"/>
+                </a:solidFill>
+                <a:effectLst/>
+                <a:latin typeface="Consolas" panose="020B0609020204030204" pitchFamily="49" charset="0"/>
+              </a:rPr>
+              <a:t>void</a:t>
+            </a:r>
+            <a:r>
+              <a:rPr lang="en-US" b="0" dirty="0">
+                <a:solidFill>
+                  <a:srgbClr val="D4D4D4"/>
+                </a:solidFill>
+                <a:effectLst/>
+                <a:latin typeface="Consolas" panose="020B0609020204030204" pitchFamily="49" charset="0"/>
+              </a:rPr>
+              <a:t> </a:t>
+            </a:r>
+            <a:r>
+              <a:rPr lang="en-US" b="0" dirty="0">
+                <a:solidFill>
+                  <a:srgbClr val="DCDCAA"/>
+                </a:solidFill>
+                <a:effectLst/>
+                <a:latin typeface="Consolas" panose="020B0609020204030204" pitchFamily="49" charset="0"/>
+              </a:rPr>
+              <a:t>cancel</a:t>
+            </a:r>
+            <a:r>
+              <a:rPr lang="en-US" b="0" dirty="0">
+                <a:solidFill>
+                  <a:srgbClr val="D4D4D4"/>
+                </a:solidFill>
+                <a:effectLst/>
+                <a:latin typeface="Consolas" panose="020B0609020204030204" pitchFamily="49" charset="0"/>
+              </a:rPr>
+              <a:t>()</a:t>
+            </a:r>
+            <a:r>
+              <a:rPr lang="en-US" dirty="0"/>
+              <a:t> – cancels an active timer.</a:t>
+            </a:r>
+            <a:endParaRPr lang="en-US" b="0" dirty="0">
+              <a:solidFill>
+                <a:srgbClr val="D4D4D4"/>
+              </a:solidFill>
+              <a:effectLst/>
+              <a:latin typeface="Consolas" panose="020B0609020204030204" pitchFamily="49" charset="0"/>
+            </a:endParaRPr>
+          </a:p>
+          <a:p>
+            <a:pPr lvl="1"/>
+            <a:r>
+              <a:rPr lang="en-US" b="0" dirty="0" err="1">
+                <a:solidFill>
+                  <a:srgbClr val="4EC9B0"/>
+                </a:solidFill>
+                <a:effectLst/>
+                <a:latin typeface="Consolas" panose="020B0609020204030204" pitchFamily="49" charset="0"/>
+              </a:rPr>
+              <a:t>boolean</a:t>
+            </a:r>
+            <a:r>
+              <a:rPr lang="en-US" b="0" dirty="0">
+                <a:solidFill>
+                  <a:srgbClr val="D4D4D4"/>
+                </a:solidFill>
+                <a:effectLst/>
+                <a:latin typeface="Consolas" panose="020B0609020204030204" pitchFamily="49" charset="0"/>
+              </a:rPr>
+              <a:t> </a:t>
+            </a:r>
+            <a:r>
+              <a:rPr lang="en-US" b="0" dirty="0" err="1">
+                <a:solidFill>
+                  <a:srgbClr val="DCDCAA"/>
+                </a:solidFill>
+                <a:effectLst/>
+                <a:latin typeface="Consolas" panose="020B0609020204030204" pitchFamily="49" charset="0"/>
+              </a:rPr>
+              <a:t>hasExpired</a:t>
+            </a:r>
+            <a:r>
+              <a:rPr lang="en-US" b="0" dirty="0">
+                <a:solidFill>
+                  <a:srgbClr val="D4D4D4"/>
+                </a:solidFill>
+                <a:effectLst/>
+                <a:latin typeface="Consolas" panose="020B0609020204030204" pitchFamily="49" charset="0"/>
+              </a:rPr>
+              <a:t>()</a:t>
+            </a:r>
+            <a:r>
+              <a:rPr lang="en-US" dirty="0"/>
+              <a:t> – checks if the timer has expired.</a:t>
+            </a:r>
+            <a:endParaRPr lang="en-US" b="0" dirty="0">
+              <a:solidFill>
+                <a:srgbClr val="D4D4D4"/>
+              </a:solidFill>
+              <a:effectLst/>
+              <a:latin typeface="Consolas" panose="020B0609020204030204" pitchFamily="49" charset="0"/>
+            </a:endParaRPr>
+          </a:p>
+          <a:p>
+            <a:pPr lvl="1"/>
+            <a:r>
+              <a:rPr lang="en-US" b="0" dirty="0" err="1">
+                <a:solidFill>
+                  <a:srgbClr val="4EC9B0"/>
+                </a:solidFill>
+                <a:effectLst/>
+                <a:latin typeface="Consolas" panose="020B0609020204030204" pitchFamily="49" charset="0"/>
+              </a:rPr>
+              <a:t>boolean</a:t>
+            </a:r>
+            <a:r>
+              <a:rPr lang="en-US" b="0" dirty="0">
+                <a:solidFill>
+                  <a:srgbClr val="D4D4D4"/>
+                </a:solidFill>
+                <a:effectLst/>
+                <a:latin typeface="Consolas" panose="020B0609020204030204" pitchFamily="49" charset="0"/>
+              </a:rPr>
+              <a:t> </a:t>
+            </a:r>
+            <a:r>
+              <a:rPr lang="en-US" b="0" dirty="0" err="1">
+                <a:solidFill>
+                  <a:srgbClr val="DCDCAA"/>
+                </a:solidFill>
+                <a:effectLst/>
+                <a:latin typeface="Consolas" panose="020B0609020204030204" pitchFamily="49" charset="0"/>
+              </a:rPr>
+              <a:t>isCanceled</a:t>
+            </a:r>
+            <a:r>
+              <a:rPr lang="en-US" b="0" dirty="0">
+                <a:solidFill>
+                  <a:srgbClr val="D4D4D4"/>
+                </a:solidFill>
+                <a:effectLst/>
+                <a:latin typeface="Consolas" panose="020B0609020204030204" pitchFamily="49" charset="0"/>
+              </a:rPr>
+              <a:t>()</a:t>
+            </a:r>
+            <a:r>
+              <a:rPr lang="en-US" dirty="0"/>
+              <a:t> – checks if the timer was canceled.</a:t>
+            </a:r>
+          </a:p>
+          <a:p>
+            <a:pPr lvl="1"/>
+            <a:r>
+              <a:rPr lang="en-US" b="0" dirty="0" err="1">
+                <a:solidFill>
+                  <a:srgbClr val="4EC9B0"/>
+                </a:solidFill>
+                <a:effectLst/>
+                <a:latin typeface="Consolas" panose="020B0609020204030204" pitchFamily="49" charset="0"/>
+              </a:rPr>
+              <a:t>boolean</a:t>
+            </a:r>
+            <a:r>
+              <a:rPr lang="en-US" b="0" dirty="0">
+                <a:solidFill>
+                  <a:srgbClr val="D4D4D4"/>
+                </a:solidFill>
+                <a:effectLst/>
+                <a:latin typeface="Consolas" panose="020B0609020204030204" pitchFamily="49" charset="0"/>
+              </a:rPr>
+              <a:t> </a:t>
+            </a:r>
+            <a:r>
+              <a:rPr lang="en-US" b="0" dirty="0" err="1">
+                <a:solidFill>
+                  <a:srgbClr val="DCDCAA"/>
+                </a:solidFill>
+                <a:effectLst/>
+                <a:latin typeface="Consolas" panose="020B0609020204030204" pitchFamily="49" charset="0"/>
+              </a:rPr>
+              <a:t>isActive</a:t>
+            </a:r>
+            <a:r>
+              <a:rPr lang="en-US" b="0" dirty="0">
+                <a:solidFill>
+                  <a:srgbClr val="D4D4D4"/>
+                </a:solidFill>
+                <a:effectLst/>
+                <a:latin typeface="Consolas" panose="020B0609020204030204" pitchFamily="49" charset="0"/>
+              </a:rPr>
+              <a:t>()</a:t>
+            </a:r>
+            <a:r>
+              <a:rPr lang="en-US" dirty="0"/>
+              <a:t> – checks if the timer is still active (not expired and not canceled).</a:t>
+            </a:r>
+          </a:p>
+        </p:txBody>
+      </p:sp>
+    </p:spTree>
+    <p:extLst>
+      <p:ext uri="{BB962C8B-B14F-4D97-AF65-F5344CB8AC3E}">
+        <p14:creationId xmlns:p14="http://schemas.microsoft.com/office/powerpoint/2010/main" val="3956206454"/>
+      </p:ext>
+    </p:extLst>
+  </p:cSld>
+  <p:clrMapOvr>
+    <a:masterClrMapping/>
+  </p:clrMapOvr>
+</p:sld>
+</file>
+
+<file path=ppt/slides/slide4.xml><?xml version="1.0" encoding="utf-8"?>
+<p:sld xmlns:a="http://schemas.openxmlformats.org/drawingml/2006/main" xmlns:r="http://schemas.openxmlformats.org/officeDocument/2006/relationships" xmlns:p="http://schemas.openxmlformats.org/presentationml/2006/main">
+  <p:cSld>
+    <p:spTree>
+      <p:nvGrpSpPr>
+        <p:cNvPr id="1" name=""/>
+        <p:cNvGrpSpPr/>
+        <p:nvPr/>
+      </p:nvGrpSpPr>
+      <p:grpSpPr>
+        <a:xfrm>
+          <a:off x="0" y="0"/>
+          <a:ext cx="0" cy="0"/>
+          <a:chOff x="0" y="0"/>
+          <a:chExt cx="0" cy="0"/>
+        </a:xfrm>
+      </p:grpSpPr>
+      <p:sp>
+        <p:nvSpPr>
+          <p:cNvPr id="2" name="Title 1">
+            <a:extLst>
+              <a:ext uri="{FF2B5EF4-FFF2-40B4-BE49-F238E27FC236}">
+                <a16:creationId xmlns:a16="http://schemas.microsoft.com/office/drawing/2014/main" id="{0621DCB2-27E2-8432-6C60-5EC9CB9CBE24}"/>
+              </a:ext>
+            </a:extLst>
+          </p:cNvPr>
+          <p:cNvSpPr>
+            <a:spLocks noGrp="1"/>
+          </p:cNvSpPr>
+          <p:nvPr>
+            <p:ph type="title"/>
+          </p:nvPr>
+        </p:nvSpPr>
+        <p:spPr/>
+        <p:txBody>
+          <a:bodyPr/>
+          <a:lstStyle/>
+          <a:p>
+            <a:r>
+              <a:rPr lang="en-US" dirty="0"/>
+              <a:t>Exercise: Timer</a:t>
+            </a:r>
+          </a:p>
+        </p:txBody>
+      </p:sp>
+      <p:sp>
+        <p:nvSpPr>
+          <p:cNvPr id="3" name="Content Placeholder 2">
+            <a:extLst>
+              <a:ext uri="{FF2B5EF4-FFF2-40B4-BE49-F238E27FC236}">
+                <a16:creationId xmlns:a16="http://schemas.microsoft.com/office/drawing/2014/main" id="{29AA202B-F9F5-8A80-E6CF-1B85C5C3BD83}"/>
+              </a:ext>
+            </a:extLst>
+          </p:cNvPr>
+          <p:cNvSpPr>
+            <a:spLocks noGrp="1"/>
+          </p:cNvSpPr>
+          <p:nvPr>
+            <p:ph idx="1"/>
+          </p:nvPr>
+        </p:nvSpPr>
+        <p:spPr>
+          <a:xfrm>
+            <a:off x="576650" y="2351903"/>
+            <a:ext cx="11075772" cy="4399005"/>
+          </a:xfrm>
+        </p:spPr>
+        <p:txBody>
+          <a:bodyPr/>
+          <a:lstStyle/>
+          <a:p>
+            <a:r>
+              <a:rPr lang="en-US" dirty="0"/>
+              <a:t>In previous exercise, you have created a </a:t>
+            </a:r>
+            <a:r>
+              <a:rPr lang="en-US" dirty="0" err="1"/>
+              <a:t>SteamWorks</a:t>
+            </a:r>
+            <a:r>
+              <a:rPr lang="en-US" dirty="0"/>
+              <a:t> autonomous. Add a timer as the first state of the state machine to optionally delay 5 seconds before starting the autonomous routine.</a:t>
+            </a:r>
+          </a:p>
+          <a:p>
+            <a:r>
+              <a:rPr lang="en-US" dirty="0"/>
+              <a:t>In CmdAutoSteamWorksLeft.java, add a delay argument to its constructor .</a:t>
+            </a:r>
+          </a:p>
+          <a:p>
+            <a:r>
+              <a:rPr lang="en-US" dirty="0"/>
+              <a:t>In the constructor, also add code to create a timer.</a:t>
+            </a:r>
+          </a:p>
+          <a:p>
+            <a:r>
+              <a:rPr lang="en-US" dirty="0"/>
+              <a:t>In CmdAutoSteamWorksLeft.java, add a new START state to the state machine in </a:t>
+            </a:r>
+            <a:r>
+              <a:rPr lang="en-US" dirty="0" err="1"/>
+              <a:t>cmdPeriodic</a:t>
+            </a:r>
+            <a:r>
+              <a:rPr lang="en-US" dirty="0"/>
+              <a:t> that checks if the delay argument was zero. If so, set the state to start the autonomous, otherwise, start the timer for the specified delay time and start the autonomous after delay has expired.</a:t>
+            </a:r>
+          </a:p>
+          <a:p>
+            <a:r>
+              <a:rPr lang="en-US" dirty="0"/>
+              <a:t>In FrcAuto.java, change the code in </a:t>
+            </a:r>
+            <a:r>
+              <a:rPr lang="en-US" dirty="0" err="1"/>
+              <a:t>startMode</a:t>
+            </a:r>
+            <a:r>
+              <a:rPr lang="en-US" dirty="0"/>
+              <a:t> to pass a 5 second argument when creating </a:t>
+            </a:r>
+            <a:r>
+              <a:rPr lang="en-US" dirty="0" err="1"/>
+              <a:t>CmdAutoSteamWorksLeft</a:t>
+            </a:r>
+            <a:r>
+              <a:rPr lang="en-US" dirty="0"/>
+              <a:t>.</a:t>
+            </a:r>
+          </a:p>
+        </p:txBody>
+      </p:sp>
+    </p:spTree>
+    <p:extLst>
+      <p:ext uri="{BB962C8B-B14F-4D97-AF65-F5344CB8AC3E}">
+        <p14:creationId xmlns:p14="http://schemas.microsoft.com/office/powerpoint/2010/main" val="2656205325"/>
+      </p:ext>
+    </p:extLst>
+  </p:cSld>
+  <p:clrMapOvr>
+    <a:masterClrMapping/>
+  </p:clrMapOvr>
+</p:sld>
+</file>
+
+<file path=ppt/slides/slide5.xml><?xml version="1.0" encoding="utf-8"?>
 <p:sld xmlns:a="http://schemas.openxmlformats.org/drawingml/2006/main" xmlns:r="http://schemas.openxmlformats.org/officeDocument/2006/relationships" xmlns:p="http://schemas.openxmlformats.org/presentationml/2006/main">
   <p:cSld>
     <p:spTree>
@@ -13903,7 +14755,7 @@
           <a:p>
             <a:r>
               <a:rPr lang="en-US" dirty="0"/>
-              <a:t>Input/Output on the Driver Station</a:t>
+              <a:t>Dashboard: Choice Menu</a:t>
             </a:r>
           </a:p>
         </p:txBody>
@@ -13926,8 +14778,8 @@
         </p:nvSpPr>
         <p:spPr>
           <a:xfrm>
-            <a:off x="629174" y="2231472"/>
-            <a:ext cx="10771465" cy="4626528"/>
+            <a:off x="557146" y="2231472"/>
+            <a:ext cx="11032342" cy="4626528"/>
           </a:xfrm>
         </p:spPr>
         <p:txBody>
@@ -13938,7 +14790,7 @@
           <a:p>
             <a:r>
               <a:rPr lang="en-US" dirty="0" err="1"/>
-              <a:t>HalDashboard</a:t>
+              <a:t>FrcDashboard</a:t>
             </a:r>
             <a:r>
               <a:rPr lang="en-US" dirty="0"/>
@@ -13953,7 +14805,7 @@
             </a:r>
             <a:r>
               <a:rPr lang="en-US" dirty="0" err="1"/>
-              <a:t>HalDashboard</a:t>
+              <a:t>FrcDashboard</a:t>
             </a:r>
             <a:r>
               <a:rPr lang="en-US" dirty="0"/>
@@ -13961,7 +14813,7 @@
             </a:r>
             <a:r>
               <a:rPr lang="en-US" dirty="0" err="1"/>
-              <a:t>HalDashboard.getInstance</a:t>
+              <a:t>FrcDashboard.getInstance</a:t>
             </a:r>
             <a:r>
               <a:rPr lang="en-US" dirty="0"/>
@@ -13983,7 +14835,7 @@
             </a:r>
             <a:r>
               <a:rPr lang="en-US" dirty="0"/>
-              <a:t> – Displays information on the “display panel” of lines.</a:t>
+              <a:t> – Displays information on the 16-line “display panel”.</a:t>
             </a:r>
           </a:p>
           <a:p>
@@ -14062,8 +14914,69 @@
             <a:pPr lvl="1"/>
             <a:r>
               <a:rPr lang="en-US" dirty="0"/>
-              <a:t>Constructor: menu title.</a:t>
-            </a:r>
+              <a:t>Constructor: </a:t>
+            </a:r>
+            <a:r>
+              <a:rPr lang="en-US" b="0" dirty="0" err="1">
+                <a:solidFill>
+                  <a:srgbClr val="DCDCAA"/>
+                </a:solidFill>
+                <a:effectLst/>
+                <a:latin typeface="Consolas" panose="020B0609020204030204" pitchFamily="49" charset="0"/>
+              </a:rPr>
+              <a:t>FrcChoiceMenu</a:t>
+            </a:r>
+            <a:r>
+              <a:rPr lang="en-US" b="0" dirty="0">
+                <a:solidFill>
+                  <a:srgbClr val="D4D4D4"/>
+                </a:solidFill>
+                <a:effectLst/>
+                <a:latin typeface="Consolas" panose="020B0609020204030204" pitchFamily="49" charset="0"/>
+              </a:rPr>
+              <a:t>(</a:t>
+            </a:r>
+            <a:r>
+              <a:rPr lang="en-US" b="0" dirty="0">
+                <a:solidFill>
+                  <a:srgbClr val="4EC9B0"/>
+                </a:solidFill>
+                <a:effectLst/>
+                <a:latin typeface="Consolas" panose="020B0609020204030204" pitchFamily="49" charset="0"/>
+              </a:rPr>
+              <a:t>String</a:t>
+            </a:r>
+            <a:r>
+              <a:rPr lang="en-US" b="0" dirty="0">
+                <a:solidFill>
+                  <a:srgbClr val="D4D4D4"/>
+                </a:solidFill>
+                <a:effectLst/>
+                <a:latin typeface="Consolas" panose="020B0609020204030204" pitchFamily="49" charset="0"/>
+              </a:rPr>
+              <a:t> </a:t>
+            </a:r>
+            <a:r>
+              <a:rPr lang="en-US" b="0" dirty="0" err="1">
+                <a:solidFill>
+                  <a:srgbClr val="9CDCFE"/>
+                </a:solidFill>
+                <a:effectLst/>
+                <a:latin typeface="Consolas" panose="020B0609020204030204" pitchFamily="49" charset="0"/>
+              </a:rPr>
+              <a:t>menuTitle</a:t>
+            </a:r>
+            <a:r>
+              <a:rPr lang="en-US" b="0" dirty="0">
+                <a:solidFill>
+                  <a:srgbClr val="D4D4D4"/>
+                </a:solidFill>
+                <a:effectLst/>
+                <a:latin typeface="Consolas" panose="020B0609020204030204" pitchFamily="49" charset="0"/>
+              </a:rPr>
+              <a:t>)</a:t>
+            </a:r>
+            <a:endParaRPr lang="en-US" dirty="0"/>
           </a:p>
           <a:p>
             <a:pPr lvl="1"/>
@@ -14131,7 +15044,7 @@
 </p:sld>
 </file>
 
-<file path=ppt/slides/slide4.xml><?xml version="1.0" encoding="utf-8"?>
+<file path=ppt/slides/slide6.xml><?xml version="1.0" encoding="utf-8"?>
 <p:sld xmlns:a="http://schemas.openxmlformats.org/drawingml/2006/main" xmlns:r="http://schemas.openxmlformats.org/officeDocument/2006/relationships" xmlns:p="http://schemas.openxmlformats.org/presentationml/2006/main">
   <p:cSld>
     <p:spTree>
@@ -14176,7 +15089,15 @@
           <a:p>
             <a:r>
               <a:rPr lang="en-US" dirty="0"/>
-              <a:t>Exercise 6: Create a Choice Menu for Robot Movements</a:t>
+              <a:t>Exercise: Add </a:t>
+            </a:r>
+            <a:r>
+              <a:rPr lang="en-US" dirty="0" err="1"/>
+              <a:t>SteamWorks</a:t>
+            </a:r>
+            <a:r>
+              <a:rPr lang="en-US" dirty="0"/>
+              <a:t> Auto to Auto Strategies</a:t>
             </a:r>
           </a:p>
         </p:txBody>
@@ -14197,7 +15118,12 @@
             <p:ph idx="1"/>
           </p:nvPr>
         </p:nvSpPr>
-        <p:spPr/>
+        <p:spPr>
+          <a:xfrm>
+            <a:off x="531628" y="2275367"/>
+            <a:ext cx="11083379" cy="4491193"/>
+          </a:xfrm>
+        </p:spPr>
         <p:txBody>
           <a:bodyPr>
             <a:normAutofit fontScale="92500" lnSpcReduction="10000"/>
@@ -14206,80 +15132,247 @@
           <a:p>
             <a:r>
               <a:rPr lang="en-US" dirty="0"/>
-              <a:t>Similar to the exercise in robot drive base where we drive the robot forward/backward/strafe/turn using PID control but instead of using joystick buttons, we use choice menu.</a:t>
+              <a:t>Add </a:t>
+            </a:r>
+            <a:r>
+              <a:rPr lang="en-US" dirty="0" err="1"/>
+              <a:t>SteamWorks</a:t>
+            </a:r>
+            <a:r>
+              <a:rPr lang="en-US" dirty="0"/>
+              <a:t> auto as one of the </a:t>
+            </a:r>
+            <a:r>
+              <a:rPr lang="en-US" dirty="0" err="1"/>
+              <a:t>AutoChoices</a:t>
+            </a:r>
+            <a:r>
+              <a:rPr lang="en-US" dirty="0"/>
+              <a:t>, connect the </a:t>
+            </a:r>
+            <a:r>
+              <a:rPr lang="en-US" dirty="0" err="1"/>
+              <a:t>startDelay</a:t>
+            </a:r>
+            <a:r>
+              <a:rPr lang="en-US" dirty="0"/>
+              <a:t> in </a:t>
+            </a:r>
+            <a:r>
+              <a:rPr lang="en-US" dirty="0" err="1"/>
+              <a:t>AutoChoices</a:t>
+            </a:r>
+            <a:r>
+              <a:rPr lang="en-US" dirty="0"/>
+              <a:t> to the delay argument in </a:t>
+            </a:r>
+            <a:r>
+              <a:rPr lang="en-US" dirty="0" err="1"/>
+              <a:t>CmdAutoSteamWorksLeft</a:t>
+            </a:r>
+            <a:r>
+              <a:rPr lang="en-US" dirty="0"/>
+              <a:t> and add a new field </a:t>
+            </a:r>
+            <a:r>
+              <a:rPr lang="en-US" dirty="0" err="1"/>
+              <a:t>neutralZoneDistance</a:t>
+            </a:r>
+            <a:r>
+              <a:rPr lang="en-US" dirty="0"/>
+              <a:t> in </a:t>
+            </a:r>
+            <a:r>
+              <a:rPr lang="en-US" dirty="0" err="1"/>
+              <a:t>AutoChoices</a:t>
+            </a:r>
+            <a:r>
+              <a:rPr lang="en-US" dirty="0"/>
+              <a:t>.</a:t>
             </a:r>
           </a:p>
           <a:p>
             <a:pPr lvl="1"/>
             <a:r>
               <a:rPr lang="en-US" dirty="0"/>
-              <a:t>Create and configure 4 motors for a </a:t>
+              <a:t>In FrcAuto.java, add code to the </a:t>
             </a:r>
             <a:r>
               <a:rPr lang="en-US" dirty="0" err="1"/>
-              <a:t>mecanum</a:t>
+              <a:t>AutoChoices</a:t>
             </a:r>
             <a:r>
               <a:rPr lang="en-US" dirty="0"/>
-              <a:t> drive base.</a:t>
+              <a:t> constructor to add the new AUTO_STEAMWORKS_LEFT choice.</a:t>
             </a:r>
           </a:p>
           <a:p>
             <a:pPr lvl="1"/>
             <a:r>
               <a:rPr lang="en-US" dirty="0"/>
-              <a:t>Create and configure an IMU (i.e. gyro among other things).</a:t>
+              <a:t>Change code in </a:t>
+            </a:r>
+            <a:r>
+              <a:rPr lang="en-US" dirty="0" err="1"/>
+              <a:t>startMode</a:t>
+            </a:r>
+            <a:r>
+              <a:rPr lang="en-US" dirty="0"/>
+              <a:t> to pass </a:t>
+            </a:r>
+            <a:r>
+              <a:rPr lang="en-US" dirty="0" err="1"/>
+              <a:t>startDelay</a:t>
+            </a:r>
+            <a:r>
+              <a:rPr lang="en-US" dirty="0"/>
+              <a:t> as the delay argument in the construction of </a:t>
+            </a:r>
+            <a:r>
+              <a:rPr lang="en-US" dirty="0" err="1"/>
+              <a:t>CmdAutoStreamWorksLeft</a:t>
+            </a:r>
+            <a:r>
+              <a:rPr lang="en-US" dirty="0"/>
+              <a:t>.</a:t>
             </a:r>
           </a:p>
           <a:p>
             <a:pPr lvl="1"/>
             <a:r>
               <a:rPr lang="en-US" dirty="0"/>
-              <a:t>Create and configure a </a:t>
+              <a:t>Add a new String field variable DBKEY_AUTO_NEUTRAL_ZONE_DISTANCE and set it to “Auto/</a:t>
             </a:r>
             <a:r>
               <a:rPr lang="en-US" dirty="0" err="1"/>
-              <a:t>mecanum</a:t>
+              <a:t>NeutralZoneDistance</a:t>
             </a:r>
             <a:r>
               <a:rPr lang="en-US" dirty="0"/>
-              <a:t> drive base.</a:t>
+              <a:t>”.</a:t>
             </a:r>
           </a:p>
           <a:p>
             <a:pPr lvl="1"/>
             <a:r>
               <a:rPr lang="en-US" dirty="0"/>
-              <a:t>Create and configure 3 PID controllers.</a:t>
+              <a:t>Add code to the </a:t>
+            </a:r>
+            <a:r>
+              <a:rPr lang="en-US" dirty="0" err="1"/>
+              <a:t>AutoChoices</a:t>
+            </a:r>
+            <a:r>
+              <a:rPr lang="en-US" dirty="0"/>
+              <a:t> constructor to add the new number field named DBKEY_AUTO_NEUTRAL_ZONE_DISTANCE with a default value of 320 inches (Hint: </a:t>
+            </a:r>
+            <a:r>
+              <a:rPr lang="en-US" dirty="0" err="1"/>
+              <a:t>userChoices.addNumber</a:t>
+            </a:r>
+            <a:r>
+              <a:rPr lang="en-US" dirty="0"/>
+              <a:t>).</a:t>
             </a:r>
           </a:p>
           <a:p>
             <a:pPr lvl="1"/>
             <a:r>
               <a:rPr lang="en-US" dirty="0"/>
-              <a:t>Create and configure a PID Drive object with the drive base and 3 PID controllers.</a:t>
+              <a:t>Add a new method </a:t>
+            </a:r>
+            <a:r>
+              <a:rPr lang="en-US" dirty="0" err="1"/>
+              <a:t>getNeutralZoneDistance</a:t>
+            </a:r>
+            <a:r>
+              <a:rPr lang="en-US" dirty="0"/>
+              <a:t> to the </a:t>
+            </a:r>
+            <a:r>
+              <a:rPr lang="en-US" dirty="0" err="1"/>
+              <a:t>AutoChoices</a:t>
+            </a:r>
+            <a:r>
+              <a:rPr lang="en-US" dirty="0"/>
+              <a:t> class returning the value of the field.</a:t>
             </a:r>
           </a:p>
           <a:p>
             <a:pPr lvl="1"/>
             <a:r>
               <a:rPr lang="en-US" dirty="0"/>
-              <a:t>Create and configure a choice menu with 4 choices: drive forward 10 feet, strafe left 5 feet, drive backward 7 feet, turn left 90 degrees.</a:t>
+              <a:t>In CmdAutoSteamWorksLeft.java, add a new argument </a:t>
+            </a:r>
+            <a:r>
+              <a:rPr lang="en-US" dirty="0" err="1"/>
+              <a:t>neutralZoneDistance</a:t>
+            </a:r>
+            <a:r>
+              <a:rPr lang="en-US" dirty="0"/>
+              <a:t> in its constructor.</a:t>
             </a:r>
           </a:p>
           <a:p>
             <a:pPr lvl="1"/>
             <a:r>
               <a:rPr lang="en-US" dirty="0"/>
-              <a:t>Add code in </a:t>
+              <a:t>Change code in </a:t>
             </a:r>
             <a:r>
               <a:rPr lang="en-US" dirty="0" err="1"/>
-              <a:t>TeleOp</a:t>
+              <a:t>cmdPeriodic</a:t>
             </a:r>
             <a:r>
               <a:rPr lang="en-US" dirty="0"/>
-              <a:t> to read the choice entered and execute the action chose.</a:t>
+              <a:t> to use the new </a:t>
+            </a:r>
+            <a:r>
+              <a:rPr lang="en-US" dirty="0" err="1"/>
+              <a:t>neutralZoneDistance</a:t>
+            </a:r>
+            <a:r>
+              <a:rPr lang="en-US" dirty="0"/>
+              <a:t> argument to navigate the robot out to the neutral zone.</a:t>
+            </a:r>
+          </a:p>
+          <a:p>
+            <a:pPr lvl="1"/>
+            <a:r>
+              <a:rPr lang="en-US" dirty="0"/>
+              <a:t>In FrcAuto.java, change code in </a:t>
+            </a:r>
+            <a:r>
+              <a:rPr lang="en-US" dirty="0" err="1"/>
+              <a:t>startMode</a:t>
+            </a:r>
+            <a:r>
+              <a:rPr lang="en-US" dirty="0"/>
+              <a:t> to add the </a:t>
+            </a:r>
+            <a:r>
+              <a:rPr lang="en-US" dirty="0" err="1"/>
+              <a:t>neutralZoneDistance</a:t>
+            </a:r>
+            <a:r>
+              <a:rPr lang="en-US" dirty="0"/>
+              <a:t> from </a:t>
+            </a:r>
+            <a:r>
+              <a:rPr lang="en-US" dirty="0" err="1"/>
+              <a:t>AutoChoices</a:t>
+            </a:r>
+            <a:r>
+              <a:rPr lang="en-US" dirty="0"/>
+              <a:t> as the new argument when constructing </a:t>
+            </a:r>
+            <a:r>
+              <a:rPr lang="en-US" dirty="0" err="1"/>
+              <a:t>CmdAutoSteamWorksLeft</a:t>
+            </a:r>
+            <a:r>
+              <a:rPr lang="en-US" dirty="0"/>
+              <a:t>.</a:t>
             </a:r>
           </a:p>
         </p:txBody>
@@ -14297,7 +15390,7 @@
 </p:sld>
 </file>
 
-<file path=ppt/slides/slide5.xml><?xml version="1.0" encoding="utf-8"?>
+<file path=ppt/slides/slide7.xml><?xml version="1.0" encoding="utf-8"?>
 <p:sld xmlns:a="http://schemas.openxmlformats.org/drawingml/2006/main" xmlns:r="http://schemas.openxmlformats.org/officeDocument/2006/relationships" xmlns:p="http://schemas.openxmlformats.org/presentationml/2006/main">
   <p:cSld>
     <p:spTree>
@@ -14372,7 +15465,7 @@
           <a:p>
             <a:r>
               <a:rPr lang="en-US" dirty="0"/>
-              <a:t>Using camera allows the robot to see things but seeing things means more than just capturing a picture. A picture is not very useful unless it is “interpreter” or “processed” by somebody to figure out what objects are in the picture and where they are relative to the camera.</a:t>
+              <a:t>Using camera allows the robot to see things but seeing things means more than just capturing a picture. A picture is not very useful unless it is “interpreted” or “processed” by somebody to figure out what objects are in the picture and where they are relative to the camera.</a:t>
             </a:r>
           </a:p>
           <a:p>
@@ -14384,7 +15477,7 @@
           <a:p>
             <a:r>
               <a:rPr lang="en-US" dirty="0"/>
-              <a:t>What we are discussing here is how to use the processed vision info to navigate the robot.</a:t>
+              <a:t>What we are learning here is how to use the processed vision info to navigate the robot.</a:t>
             </a:r>
           </a:p>
         </p:txBody>
@@ -14402,7 +15495,7 @@
 </p:sld>
 </file>
 
-<file path=ppt/slides/slide6.xml><?xml version="1.0" encoding="utf-8"?>
+<file path=ppt/slides/slide8.xml><?xml version="1.0" encoding="utf-8"?>
 <p:sld xmlns:a="http://schemas.openxmlformats.org/drawingml/2006/main" xmlns:r="http://schemas.openxmlformats.org/officeDocument/2006/relationships" xmlns:p="http://schemas.openxmlformats.org/presentationml/2006/main">
   <p:cSld>
     <p:spTree>
@@ -14471,7 +15564,7 @@
         </p:spPr>
         <p:txBody>
           <a:bodyPr>
-            <a:normAutofit fontScale="92500" lnSpcReduction="10000"/>
+            <a:normAutofit fontScale="85000" lnSpcReduction="20000"/>
           </a:bodyPr>
           <a:lstStyle/>
           <a:p>
@@ -14498,13 +15591,50 @@
             <a:pPr lvl="1"/>
             <a:r>
               <a:rPr lang="en-US" dirty="0"/>
+              <a:t>Optionally, the location of the object relative to the camera.</a:t>
+            </a:r>
+          </a:p>
+          <a:p>
+            <a:pPr lvl="1"/>
+            <a:r>
+              <a:rPr lang="en-US" dirty="0"/>
               <a:t>Some vision processor may include confidence level.</a:t>
             </a:r>
           </a:p>
           <a:p>
             <a:r>
               <a:rPr lang="en-US" dirty="0"/>
-              <a:t>Our processing:</a:t>
+              <a:t>Vision libraries: OpenCV and </a:t>
+            </a:r>
+            <a:r>
+              <a:rPr lang="en-US" dirty="0" err="1"/>
+              <a:t>WPILib</a:t>
+            </a:r>
+            <a:r>
+              <a:rPr lang="en-US" dirty="0"/>
+              <a:t> provide some amount of processing of the camera frames. On top of it, TRC library will process the returned info adding even more info. For example, if OpenCV or </a:t>
+            </a:r>
+            <a:r>
+              <a:rPr lang="en-US" dirty="0" err="1"/>
+              <a:t>WPILib</a:t>
+            </a:r>
+            <a:r>
+              <a:rPr lang="en-US" dirty="0"/>
+              <a:t> do not give us object location info, TRC library will translate pixel coordinates and size into real world units using </a:t>
+            </a:r>
+            <a:r>
+              <a:rPr lang="en-US" dirty="0" err="1"/>
+              <a:t>Homography</a:t>
+            </a:r>
+            <a:r>
+              <a:rPr lang="en-US" dirty="0"/>
+              <a:t> mapper giving us object location info (distance and angle) from the camera.</a:t>
+            </a:r>
+          </a:p>
+          <a:p>
+            <a:r>
+              <a:rPr lang="en-US" dirty="0"/>
+              <a:t>Our game specific processing:</a:t>
             </a:r>
           </a:p>
           <a:p>
@@ -14518,22 +15648,7 @@
             <a:pPr lvl="1"/>
             <a:r>
               <a:rPr lang="en-US" dirty="0"/>
-              <a:t>If the array still contains more than one object, the objects in the array should be sorted with highest confidence first so we will just pick the first object on the list.</a:t>
-            </a:r>
-          </a:p>
-          <a:p>
-            <a:pPr lvl="1"/>
-            <a:r>
-              <a:rPr lang="en-US" dirty="0"/>
-              <a:t>Translate the pixel coordinates and size into real world units (</a:t>
-            </a:r>
-            <a:r>
-              <a:rPr lang="en-US" dirty="0" err="1"/>
-              <a:t>TrcHomographyMapper</a:t>
-            </a:r>
-            <a:r>
-              <a:rPr lang="en-US" dirty="0"/>
-              <a:t>). This includes the distance of the object from the robot and the angle alignment of the object relative to the robot’s heading.</a:t>
+              <a:t>If the array still contains more than one object, we will sort the array with a set of criteria so that the first object  in the array should have the highest confidence.</a:t>
             </a:r>
           </a:p>
           <a:p>
@@ -14547,7 +15662,7 @@
             </a:r>
             <a:r>
               <a:rPr lang="en-US" dirty="0"/>
-              <a:t>) using the vision info of the detected object to control the Y axis travel and robot heading. </a:t>
+              <a:t>) using the vision info of the detected object to control the Y axis travel and robot heading.</a:t>
             </a:r>
           </a:p>
         </p:txBody>
@@ -14565,7 +15680,7 @@
 </p:sld>
 </file>
 
-<file path=ppt/slides/slide7.xml><?xml version="1.0" encoding="utf-8"?>
+<file path=ppt/slides/slide9.xml><?xml version="1.0" encoding="utf-8"?>
 <p:sld xmlns:a="http://schemas.openxmlformats.org/drawingml/2006/main" xmlns:r="http://schemas.openxmlformats.org/officeDocument/2006/relationships" xmlns:p="http://schemas.openxmlformats.org/presentationml/2006/main">
   <p:cSld>
     <p:spTree>
@@ -14587,7 +15702,7 @@
           <p:cNvPr id="2" name="Title 1">
             <a:extLst>
               <a:ext uri="{FF2B5EF4-FFF2-40B4-BE49-F238E27FC236}">
-                <a16:creationId xmlns:a16="http://schemas.microsoft.com/office/drawing/2014/main" id="{5DBDB647-6AC3-45C1-A1D4-3B298AEE5877}"/>
+                <a16:creationId xmlns:a16="http://schemas.microsoft.com/office/drawing/2014/main" id="{B19F71CE-7BC5-121C-00AA-116D507BB042}"/>
               </a:ext>
             </a:extLst>
           </p:cNvPr>
@@ -14603,10 +15718,7 @@
           <a:bodyPr/>
           <a:lstStyle/>
           <a:p>
-            <a:r>
-              <a:rPr lang="en-US" dirty="0"/>
-              <a:t>Timer</a:t>
-            </a:r>
+            <a:endParaRPr lang="en-US"/>
           </a:p>
         </p:txBody>
       </p:sp>
@@ -14615,7 +15727,7 @@
           <p:cNvPr id="3" name="Content Placeholder 2">
             <a:extLst>
               <a:ext uri="{FF2B5EF4-FFF2-40B4-BE49-F238E27FC236}">
-                <a16:creationId xmlns:a16="http://schemas.microsoft.com/office/drawing/2014/main" id="{FCEC0B1B-EF9F-41D7-A2C0-35A72C57C987}"/>
+                <a16:creationId xmlns:a16="http://schemas.microsoft.com/office/drawing/2014/main" id="{4DF1EF01-3F76-37B4-1682-3D7423065F5E}"/>
               </a:ext>
             </a:extLst>
           </p:cNvPr>
@@ -14626,622 +15738,19 @@
             <p:ph idx="1"/>
           </p:nvPr>
         </p:nvSpPr>
-        <p:spPr>
-          <a:xfrm>
-            <a:off x="588936" y="2286000"/>
-            <a:ext cx="11030918" cy="4510007"/>
-          </a:xfrm>
-        </p:spPr>
+        <p:spPr/>
         <p:txBody>
-          <a:bodyPr>
-            <a:normAutofit/>
-          </a:bodyPr>
+          <a:bodyPr/>
           <a:lstStyle/>
           <a:p>
-            <a:r>
-              <a:rPr lang="en-US" dirty="0"/>
-              <a:t>From time to time, the robot needs a timing mechanism, waiting for a given period of time to past.</a:t>
-            </a:r>
-          </a:p>
-          <a:p>
-            <a:r>
-              <a:rPr lang="en-US" dirty="0" err="1"/>
-              <a:t>TrcTimer</a:t>
-            </a:r>
-            <a:r>
-              <a:rPr lang="en-US" dirty="0"/>
-              <a:t> Constructor: </a:t>
-            </a:r>
-            <a:r>
-              <a:rPr lang="en-US" b="0" dirty="0" err="1">
-                <a:solidFill>
-                  <a:srgbClr val="DCDCAA"/>
-                </a:solidFill>
-                <a:effectLst/>
-                <a:latin typeface="Consolas" panose="020B0609020204030204" pitchFamily="49" charset="0"/>
-              </a:rPr>
-              <a:t>TrcTimer</a:t>
-            </a:r>
-            <a:r>
-              <a:rPr lang="en-US" b="0" dirty="0">
-                <a:solidFill>
-                  <a:srgbClr val="D4D4D4"/>
-                </a:solidFill>
-                <a:effectLst/>
-                <a:latin typeface="Consolas" panose="020B0609020204030204" pitchFamily="49" charset="0"/>
-              </a:rPr>
-              <a:t>(</a:t>
-            </a:r>
-            <a:r>
-              <a:rPr lang="en-US" b="0" dirty="0">
-                <a:solidFill>
-                  <a:srgbClr val="4EC9B0"/>
-                </a:solidFill>
-                <a:effectLst/>
-                <a:latin typeface="Consolas" panose="020B0609020204030204" pitchFamily="49" charset="0"/>
-              </a:rPr>
-              <a:t>String</a:t>
-            </a:r>
-            <a:r>
-              <a:rPr lang="en-US" b="0" dirty="0">
-                <a:solidFill>
-                  <a:srgbClr val="D4D4D4"/>
-                </a:solidFill>
-                <a:effectLst/>
-                <a:latin typeface="Consolas" panose="020B0609020204030204" pitchFamily="49" charset="0"/>
-              </a:rPr>
-              <a:t> </a:t>
-            </a:r>
-            <a:r>
-              <a:rPr lang="en-US" b="0" dirty="0" err="1">
-                <a:solidFill>
-                  <a:srgbClr val="9CDCFE"/>
-                </a:solidFill>
-                <a:effectLst/>
-                <a:latin typeface="Consolas" panose="020B0609020204030204" pitchFamily="49" charset="0"/>
-              </a:rPr>
-              <a:t>instanceName</a:t>
-            </a:r>
-            <a:r>
-              <a:rPr lang="en-US" b="0" dirty="0">
-                <a:solidFill>
-                  <a:srgbClr val="D4D4D4"/>
-                </a:solidFill>
-                <a:effectLst/>
-                <a:latin typeface="Consolas" panose="020B0609020204030204" pitchFamily="49" charset="0"/>
-              </a:rPr>
-              <a:t>)</a:t>
-            </a:r>
-            <a:endParaRPr lang="en-US" dirty="0"/>
-          </a:p>
-          <a:p>
-            <a:r>
-              <a:rPr lang="en-US" dirty="0"/>
-              <a:t>Methods:</a:t>
-            </a:r>
-          </a:p>
-          <a:p>
-            <a:pPr lvl="1"/>
-            <a:r>
-              <a:rPr lang="en-US" b="0" dirty="0">
-                <a:solidFill>
-                  <a:srgbClr val="4EC9B0"/>
-                </a:solidFill>
-                <a:effectLst/>
-                <a:latin typeface="Consolas" panose="020B0609020204030204" pitchFamily="49" charset="0"/>
-              </a:rPr>
-              <a:t>void</a:t>
-            </a:r>
-            <a:r>
-              <a:rPr lang="en-US" b="0" dirty="0">
-                <a:solidFill>
-                  <a:srgbClr val="D4D4D4"/>
-                </a:solidFill>
-                <a:effectLst/>
-                <a:latin typeface="Consolas" panose="020B0609020204030204" pitchFamily="49" charset="0"/>
-              </a:rPr>
-              <a:t> </a:t>
-            </a:r>
-            <a:r>
-              <a:rPr lang="en-US" b="0" dirty="0">
-                <a:solidFill>
-                  <a:srgbClr val="DCDCAA"/>
-                </a:solidFill>
-                <a:effectLst/>
-                <a:latin typeface="Consolas" panose="020B0609020204030204" pitchFamily="49" charset="0"/>
-              </a:rPr>
-              <a:t>set</a:t>
-            </a:r>
-            <a:r>
-              <a:rPr lang="en-US" b="0" dirty="0">
-                <a:solidFill>
-                  <a:srgbClr val="D4D4D4"/>
-                </a:solidFill>
-                <a:effectLst/>
-                <a:latin typeface="Consolas" panose="020B0609020204030204" pitchFamily="49" charset="0"/>
-              </a:rPr>
-              <a:t>(</a:t>
-            </a:r>
-            <a:r>
-              <a:rPr lang="en-US" b="0" dirty="0">
-                <a:solidFill>
-                  <a:srgbClr val="4EC9B0"/>
-                </a:solidFill>
-                <a:effectLst/>
-                <a:latin typeface="Consolas" panose="020B0609020204030204" pitchFamily="49" charset="0"/>
-              </a:rPr>
-              <a:t>double</a:t>
-            </a:r>
-            <a:r>
-              <a:rPr lang="en-US" b="0" dirty="0">
-                <a:solidFill>
-                  <a:srgbClr val="D4D4D4"/>
-                </a:solidFill>
-                <a:effectLst/>
-                <a:latin typeface="Consolas" panose="020B0609020204030204" pitchFamily="49" charset="0"/>
-              </a:rPr>
-              <a:t> </a:t>
-            </a:r>
-            <a:r>
-              <a:rPr lang="en-US" b="0" dirty="0">
-                <a:solidFill>
-                  <a:srgbClr val="9CDCFE"/>
-                </a:solidFill>
-                <a:effectLst/>
-                <a:latin typeface="Consolas" panose="020B0609020204030204" pitchFamily="49" charset="0"/>
-              </a:rPr>
-              <a:t>time</a:t>
-            </a:r>
-            <a:r>
-              <a:rPr lang="en-US" b="0" dirty="0">
-                <a:solidFill>
-                  <a:srgbClr val="D4D4D4"/>
-                </a:solidFill>
-                <a:effectLst/>
-                <a:latin typeface="Consolas" panose="020B0609020204030204" pitchFamily="49" charset="0"/>
-              </a:rPr>
-              <a:t>, </a:t>
-            </a:r>
-            <a:r>
-              <a:rPr lang="en-US" b="0" dirty="0" err="1">
-                <a:solidFill>
-                  <a:srgbClr val="4EC9B0"/>
-                </a:solidFill>
-                <a:effectLst/>
-                <a:latin typeface="Consolas" panose="020B0609020204030204" pitchFamily="49" charset="0"/>
-              </a:rPr>
-              <a:t>TrcEvent</a:t>
-            </a:r>
-            <a:r>
-              <a:rPr lang="en-US" b="0" dirty="0">
-                <a:solidFill>
-                  <a:srgbClr val="D4D4D4"/>
-                </a:solidFill>
-                <a:effectLst/>
-                <a:latin typeface="Consolas" panose="020B0609020204030204" pitchFamily="49" charset="0"/>
-              </a:rPr>
-              <a:t> </a:t>
-            </a:r>
-            <a:r>
-              <a:rPr lang="en-US" b="0" dirty="0">
-                <a:solidFill>
-                  <a:srgbClr val="9CDCFE"/>
-                </a:solidFill>
-                <a:effectLst/>
-                <a:latin typeface="Consolas" panose="020B0609020204030204" pitchFamily="49" charset="0"/>
-              </a:rPr>
-              <a:t>event</a:t>
-            </a:r>
-            <a:r>
-              <a:rPr lang="en-US" b="0" dirty="0">
-                <a:solidFill>
-                  <a:srgbClr val="D4D4D4"/>
-                </a:solidFill>
-                <a:effectLst/>
-                <a:latin typeface="Consolas" panose="020B0609020204030204" pitchFamily="49" charset="0"/>
-              </a:rPr>
-              <a:t>)</a:t>
-            </a:r>
-            <a:r>
-              <a:rPr lang="en-US" dirty="0"/>
-              <a:t> – starts a timer that will signal an event when the specified time has expired.</a:t>
-            </a:r>
-          </a:p>
-          <a:p>
-            <a:pPr lvl="1"/>
-            <a:r>
-              <a:rPr lang="en-US" b="0" dirty="0">
-                <a:solidFill>
-                  <a:srgbClr val="4EC9B0"/>
-                </a:solidFill>
-                <a:effectLst/>
-                <a:latin typeface="Consolas" panose="020B0609020204030204" pitchFamily="49" charset="0"/>
-              </a:rPr>
-              <a:t>void</a:t>
-            </a:r>
-            <a:r>
-              <a:rPr lang="en-US" b="0" dirty="0">
-                <a:solidFill>
-                  <a:srgbClr val="D4D4D4"/>
-                </a:solidFill>
-                <a:effectLst/>
-                <a:latin typeface="Consolas" panose="020B0609020204030204" pitchFamily="49" charset="0"/>
-              </a:rPr>
-              <a:t> </a:t>
-            </a:r>
-            <a:r>
-              <a:rPr lang="en-US" b="0" dirty="0">
-                <a:solidFill>
-                  <a:srgbClr val="DCDCAA"/>
-                </a:solidFill>
-                <a:effectLst/>
-                <a:latin typeface="Consolas" panose="020B0609020204030204" pitchFamily="49" charset="0"/>
-              </a:rPr>
-              <a:t>set</a:t>
-            </a:r>
-            <a:r>
-              <a:rPr lang="en-US" b="0" dirty="0">
-                <a:solidFill>
-                  <a:srgbClr val="D4D4D4"/>
-                </a:solidFill>
-                <a:effectLst/>
-                <a:latin typeface="Consolas" panose="020B0609020204030204" pitchFamily="49" charset="0"/>
-              </a:rPr>
-              <a:t>(</a:t>
-            </a:r>
-            <a:r>
-              <a:rPr lang="en-US" b="0" dirty="0">
-                <a:solidFill>
-                  <a:srgbClr val="4EC9B0"/>
-                </a:solidFill>
-                <a:effectLst/>
-                <a:latin typeface="Consolas" panose="020B0609020204030204" pitchFamily="49" charset="0"/>
-              </a:rPr>
-              <a:t>double</a:t>
-            </a:r>
-            <a:r>
-              <a:rPr lang="en-US" b="0" dirty="0">
-                <a:solidFill>
-                  <a:srgbClr val="D4D4D4"/>
-                </a:solidFill>
-                <a:effectLst/>
-                <a:latin typeface="Consolas" panose="020B0609020204030204" pitchFamily="49" charset="0"/>
-              </a:rPr>
-              <a:t> </a:t>
-            </a:r>
-            <a:r>
-              <a:rPr lang="en-US" b="0" dirty="0">
-                <a:solidFill>
-                  <a:srgbClr val="9CDCFE"/>
-                </a:solidFill>
-                <a:effectLst/>
-                <a:latin typeface="Consolas" panose="020B0609020204030204" pitchFamily="49" charset="0"/>
-              </a:rPr>
-              <a:t>time</a:t>
-            </a:r>
-            <a:r>
-              <a:rPr lang="en-US" b="0" dirty="0">
-                <a:solidFill>
-                  <a:srgbClr val="D4D4D4"/>
-                </a:solidFill>
-                <a:effectLst/>
-                <a:latin typeface="Consolas" panose="020B0609020204030204" pitchFamily="49" charset="0"/>
-              </a:rPr>
-              <a:t>, </a:t>
-            </a:r>
-            <a:r>
-              <a:rPr lang="en-US" b="0" dirty="0" err="1">
-                <a:solidFill>
-                  <a:srgbClr val="4EC9B0"/>
-                </a:solidFill>
-                <a:effectLst/>
-                <a:latin typeface="Consolas" panose="020B0609020204030204" pitchFamily="49" charset="0"/>
-              </a:rPr>
-              <a:t>TrcEvent</a:t>
-            </a:r>
-            <a:r>
-              <a:rPr lang="en-US" b="0" dirty="0" err="1">
-                <a:solidFill>
-                  <a:srgbClr val="D4D4D4"/>
-                </a:solidFill>
-                <a:effectLst/>
-                <a:latin typeface="Consolas" panose="020B0609020204030204" pitchFamily="49" charset="0"/>
-              </a:rPr>
-              <a:t>.</a:t>
-            </a:r>
-            <a:r>
-              <a:rPr lang="en-US" b="0" dirty="0" err="1">
-                <a:solidFill>
-                  <a:srgbClr val="4EC9B0"/>
-                </a:solidFill>
-                <a:effectLst/>
-                <a:latin typeface="Consolas" panose="020B0609020204030204" pitchFamily="49" charset="0"/>
-              </a:rPr>
-              <a:t>Callback</a:t>
-            </a:r>
-            <a:r>
-              <a:rPr lang="en-US" b="0" dirty="0">
-                <a:solidFill>
-                  <a:srgbClr val="D4D4D4"/>
-                </a:solidFill>
-                <a:effectLst/>
-                <a:latin typeface="Consolas" panose="020B0609020204030204" pitchFamily="49" charset="0"/>
-              </a:rPr>
-              <a:t> </a:t>
-            </a:r>
-            <a:r>
-              <a:rPr lang="en-US" b="0" dirty="0">
-                <a:solidFill>
-                  <a:srgbClr val="9CDCFE"/>
-                </a:solidFill>
-                <a:effectLst/>
-                <a:latin typeface="Consolas" panose="020B0609020204030204" pitchFamily="49" charset="0"/>
-              </a:rPr>
-              <a:t>callback</a:t>
-            </a:r>
-            <a:r>
-              <a:rPr lang="en-US" b="0" dirty="0">
-                <a:solidFill>
-                  <a:srgbClr val="D4D4D4"/>
-                </a:solidFill>
-                <a:effectLst/>
-                <a:latin typeface="Consolas" panose="020B0609020204030204" pitchFamily="49" charset="0"/>
-              </a:rPr>
-              <a:t>, </a:t>
-            </a:r>
-            <a:r>
-              <a:rPr lang="en-US" b="0" dirty="0">
-                <a:solidFill>
-                  <a:srgbClr val="4EC9B0"/>
-                </a:solidFill>
-                <a:effectLst/>
-                <a:latin typeface="Consolas" panose="020B0609020204030204" pitchFamily="49" charset="0"/>
-              </a:rPr>
-              <a:t>Object</a:t>
-            </a:r>
-            <a:r>
-              <a:rPr lang="en-US" b="0" dirty="0">
-                <a:solidFill>
-                  <a:srgbClr val="D4D4D4"/>
-                </a:solidFill>
-                <a:effectLst/>
-                <a:latin typeface="Consolas" panose="020B0609020204030204" pitchFamily="49" charset="0"/>
-              </a:rPr>
-              <a:t> </a:t>
-            </a:r>
-            <a:r>
-              <a:rPr lang="en-US" b="0" dirty="0" err="1">
-                <a:solidFill>
-                  <a:srgbClr val="9CDCFE"/>
-                </a:solidFill>
-                <a:effectLst/>
-                <a:latin typeface="Consolas" panose="020B0609020204030204" pitchFamily="49" charset="0"/>
-              </a:rPr>
-              <a:t>callbackContext</a:t>
-            </a:r>
-            <a:r>
-              <a:rPr lang="en-US" b="0" dirty="0">
-                <a:solidFill>
-                  <a:srgbClr val="D4D4D4"/>
-                </a:solidFill>
-                <a:effectLst/>
-                <a:latin typeface="Consolas" panose="020B0609020204030204" pitchFamily="49" charset="0"/>
-              </a:rPr>
-              <a:t>)</a:t>
-            </a:r>
-            <a:r>
-              <a:rPr lang="en-US" dirty="0"/>
-              <a:t> – starts a timer that will call the specified callback method when the specified time has expired.</a:t>
-            </a:r>
-          </a:p>
-          <a:p>
-            <a:pPr lvl="1"/>
-            <a:r>
-              <a:rPr lang="en-US" b="0" dirty="0">
-                <a:solidFill>
-                  <a:srgbClr val="4EC9B0"/>
-                </a:solidFill>
-                <a:effectLst/>
-                <a:latin typeface="Consolas" panose="020B0609020204030204" pitchFamily="49" charset="0"/>
-              </a:rPr>
-              <a:t>void</a:t>
-            </a:r>
-            <a:r>
-              <a:rPr lang="en-US" b="0" dirty="0">
-                <a:solidFill>
-                  <a:srgbClr val="D4D4D4"/>
-                </a:solidFill>
-                <a:effectLst/>
-                <a:latin typeface="Consolas" panose="020B0609020204030204" pitchFamily="49" charset="0"/>
-              </a:rPr>
-              <a:t> </a:t>
-            </a:r>
-            <a:r>
-              <a:rPr lang="en-US" b="0" dirty="0">
-                <a:solidFill>
-                  <a:srgbClr val="DCDCAA"/>
-                </a:solidFill>
-                <a:effectLst/>
-                <a:latin typeface="Consolas" panose="020B0609020204030204" pitchFamily="49" charset="0"/>
-              </a:rPr>
-              <a:t>cancel</a:t>
-            </a:r>
-            <a:r>
-              <a:rPr lang="en-US" b="0" dirty="0">
-                <a:solidFill>
-                  <a:srgbClr val="D4D4D4"/>
-                </a:solidFill>
-                <a:effectLst/>
-                <a:latin typeface="Consolas" panose="020B0609020204030204" pitchFamily="49" charset="0"/>
-              </a:rPr>
-              <a:t>()</a:t>
-            </a:r>
-            <a:r>
-              <a:rPr lang="en-US" dirty="0"/>
-              <a:t> – cancels an active timer.</a:t>
-            </a:r>
-            <a:endParaRPr lang="en-US" b="0" dirty="0">
-              <a:solidFill>
-                <a:srgbClr val="D4D4D4"/>
-              </a:solidFill>
-              <a:effectLst/>
-              <a:latin typeface="Consolas" panose="020B0609020204030204" pitchFamily="49" charset="0"/>
-            </a:endParaRPr>
-          </a:p>
-          <a:p>
-            <a:pPr lvl="1"/>
-            <a:r>
-              <a:rPr lang="en-US" b="0" dirty="0" err="1">
-                <a:solidFill>
-                  <a:srgbClr val="4EC9B0"/>
-                </a:solidFill>
-                <a:effectLst/>
-                <a:latin typeface="Consolas" panose="020B0609020204030204" pitchFamily="49" charset="0"/>
-              </a:rPr>
-              <a:t>boolean</a:t>
-            </a:r>
-            <a:r>
-              <a:rPr lang="en-US" b="0" dirty="0">
-                <a:solidFill>
-                  <a:srgbClr val="D4D4D4"/>
-                </a:solidFill>
-                <a:effectLst/>
-                <a:latin typeface="Consolas" panose="020B0609020204030204" pitchFamily="49" charset="0"/>
-              </a:rPr>
-              <a:t> </a:t>
-            </a:r>
-            <a:r>
-              <a:rPr lang="en-US" b="0" dirty="0" err="1">
-                <a:solidFill>
-                  <a:srgbClr val="DCDCAA"/>
-                </a:solidFill>
-                <a:effectLst/>
-                <a:latin typeface="Consolas" panose="020B0609020204030204" pitchFamily="49" charset="0"/>
-              </a:rPr>
-              <a:t>hasExpired</a:t>
-            </a:r>
-            <a:r>
-              <a:rPr lang="en-US" b="0" dirty="0">
-                <a:solidFill>
-                  <a:srgbClr val="D4D4D4"/>
-                </a:solidFill>
-                <a:effectLst/>
-                <a:latin typeface="Consolas" panose="020B0609020204030204" pitchFamily="49" charset="0"/>
-              </a:rPr>
-              <a:t>()</a:t>
-            </a:r>
-            <a:r>
-              <a:rPr lang="en-US" dirty="0"/>
-              <a:t> – checks if the timer has expired.</a:t>
-            </a:r>
-            <a:endParaRPr lang="en-US" b="0" dirty="0">
-              <a:solidFill>
-                <a:srgbClr val="D4D4D4"/>
-              </a:solidFill>
-              <a:effectLst/>
-              <a:latin typeface="Consolas" panose="020B0609020204030204" pitchFamily="49" charset="0"/>
-            </a:endParaRPr>
-          </a:p>
-          <a:p>
-            <a:pPr lvl="1"/>
-            <a:r>
-              <a:rPr lang="en-US" b="0" dirty="0" err="1">
-                <a:solidFill>
-                  <a:srgbClr val="4EC9B0"/>
-                </a:solidFill>
-                <a:effectLst/>
-                <a:latin typeface="Consolas" panose="020B0609020204030204" pitchFamily="49" charset="0"/>
-              </a:rPr>
-              <a:t>boolean</a:t>
-            </a:r>
-            <a:r>
-              <a:rPr lang="en-US" b="0" dirty="0">
-                <a:solidFill>
-                  <a:srgbClr val="D4D4D4"/>
-                </a:solidFill>
-                <a:effectLst/>
-                <a:latin typeface="Consolas" panose="020B0609020204030204" pitchFamily="49" charset="0"/>
-              </a:rPr>
-              <a:t> </a:t>
-            </a:r>
-            <a:r>
-              <a:rPr lang="en-US" b="0" dirty="0" err="1">
-                <a:solidFill>
-                  <a:srgbClr val="DCDCAA"/>
-                </a:solidFill>
-                <a:effectLst/>
-                <a:latin typeface="Consolas" panose="020B0609020204030204" pitchFamily="49" charset="0"/>
-              </a:rPr>
-              <a:t>isCanceled</a:t>
-            </a:r>
-            <a:r>
-              <a:rPr lang="en-US" b="0" dirty="0">
-                <a:solidFill>
-                  <a:srgbClr val="D4D4D4"/>
-                </a:solidFill>
-                <a:effectLst/>
-                <a:latin typeface="Consolas" panose="020B0609020204030204" pitchFamily="49" charset="0"/>
-              </a:rPr>
-              <a:t>()</a:t>
-            </a:r>
-            <a:r>
-              <a:rPr lang="en-US" dirty="0"/>
-              <a:t> – checks if the timer was canceled.</a:t>
-            </a:r>
-          </a:p>
-          <a:p>
-            <a:pPr lvl="1"/>
-            <a:r>
-              <a:rPr lang="en-US" b="0" dirty="0" err="1">
-                <a:solidFill>
-                  <a:srgbClr val="4EC9B0"/>
-                </a:solidFill>
-                <a:effectLst/>
-                <a:latin typeface="Consolas" panose="020B0609020204030204" pitchFamily="49" charset="0"/>
-              </a:rPr>
-              <a:t>boolean</a:t>
-            </a:r>
-            <a:r>
-              <a:rPr lang="en-US" b="0" dirty="0">
-                <a:solidFill>
-                  <a:srgbClr val="D4D4D4"/>
-                </a:solidFill>
-                <a:effectLst/>
-                <a:latin typeface="Consolas" panose="020B0609020204030204" pitchFamily="49" charset="0"/>
-              </a:rPr>
-              <a:t> </a:t>
-            </a:r>
-            <a:r>
-              <a:rPr lang="en-US" b="0" dirty="0" err="1">
-                <a:solidFill>
-                  <a:srgbClr val="DCDCAA"/>
-                </a:solidFill>
-                <a:effectLst/>
-                <a:latin typeface="Consolas" panose="020B0609020204030204" pitchFamily="49" charset="0"/>
-              </a:rPr>
-              <a:t>isActive</a:t>
-            </a:r>
-            <a:r>
-              <a:rPr lang="en-US" b="0" dirty="0">
-                <a:solidFill>
-                  <a:srgbClr val="D4D4D4"/>
-                </a:solidFill>
-                <a:effectLst/>
-                <a:latin typeface="Consolas" panose="020B0609020204030204" pitchFamily="49" charset="0"/>
-              </a:rPr>
-              <a:t>()</a:t>
-            </a:r>
-            <a:r>
-              <a:rPr lang="en-US" dirty="0"/>
-              <a:t> – checks if the timer is still active (not expired and not canceled).</a:t>
-            </a:r>
+            <a:endParaRPr lang="en-US"/>
           </a:p>
         </p:txBody>
       </p:sp>
     </p:spTree>
     <p:extLst>
       <p:ext uri="{BB962C8B-B14F-4D97-AF65-F5344CB8AC3E}">
-        <p14:creationId xmlns:p14="http://schemas.microsoft.com/office/powerpoint/2010/main" val="4246821506"/>
+        <p14:creationId xmlns:p14="http://schemas.microsoft.com/office/powerpoint/2010/main" val="2880505421"/>
       </p:ext>
     </p:extLst>
   </p:cSld>
